--- a/Presentation.pptx
+++ b/Presentation.pptx
@@ -263,7 +263,7 @@
       <p15:sldGuideLst xmlns:p15="http://schemas.microsoft.com/office/powerpoint/2012/main"/>
     </p:ext>
     <p:ext uri="http://customooxmlschemas.google.com/">
-      <go:slidesCustomData xmlns="" xmlns:mc="http://schemas.openxmlformats.org/markup-compatibility/2006" xmlns:mv="urn:schemas-microsoft-com:mac:vml" xmlns:c="http://schemas.openxmlformats.org/drawingml/2006/chart" xmlns:dgm="http://schemas.openxmlformats.org/drawingml/2006/diagram" xmlns:o="urn:schemas-microsoft-com:office:office" xmlns:v="urn:schemas-microsoft-com:vml" xmlns:pvml="urn:schemas-microsoft-com:office:powerpoint" xmlns:com="http://schemas.openxmlformats.org/drawingml/2006/compatibility" xmlns:p14="http://schemas.microsoft.com/office/powerpoint/2010/main" xmlns:p15="http://schemas.microsoft.com/office/powerpoint/2012/main" xmlns:go="http://customooxmlschemas.google.com/" r:id="rId20" roundtripDataSignature="AMtx7mjljUV1DYzoSrw42S1w8AY1Tlcx1Q=="/>
+      <go:slidesCustomData xmlns:go="http://customooxmlschemas.google.com/" xmlns:p15="http://schemas.microsoft.com/office/powerpoint/2012/main" xmlns:p14="http://schemas.microsoft.com/office/powerpoint/2010/main" xmlns:com="http://schemas.openxmlformats.org/drawingml/2006/compatibility" xmlns:pvml="urn:schemas-microsoft-com:office:powerpoint" xmlns:v="urn:schemas-microsoft-com:vml" xmlns:o="urn:schemas-microsoft-com:office:office" xmlns:dgm="http://schemas.openxmlformats.org/drawingml/2006/diagram" xmlns:c="http://schemas.openxmlformats.org/drawingml/2006/chart" xmlns:mv="urn:schemas-microsoft-com:mac:vml" xmlns:mc="http://schemas.openxmlformats.org/markup-compatibility/2006" xmlns="" r:id="rId20" roundtripDataSignature="AMtx7mjljUV1DYzoSrw42S1w8AY1Tlcx1Q=="/>
     </p:ext>
   </p:extLst>
 </p:presentation>
@@ -12884,8 +12884,17 @@
           <a:p>
             <a:r>
               <a:rPr lang="en-SG" dirty="0" smtClean="0"/>
-              <a:t>Lemmatization done to return words to their stem word.</a:t>
+              <a:t>Lemmatization </a:t>
             </a:r>
+            <a:r>
+              <a:rPr lang="en-SG" smtClean="0"/>
+              <a:t>done </a:t>
+            </a:r>
+            <a:r>
+              <a:rPr lang="en-SG" smtClean="0"/>
+              <a:t>thereafter.</a:t>
+            </a:r>
+            <a:endParaRPr lang="en-SG" dirty="0" smtClean="0"/>
           </a:p>
         </p:txBody>
       </p:sp>
@@ -12944,11 +12953,7 @@
             </a:r>
             <a:r>
               <a:rPr lang="en-SG" dirty="0" smtClean="0"/>
-              <a:t> and </a:t>
-            </a:r>
-            <a:r>
-              <a:rPr lang="en-SG" dirty="0" smtClean="0"/>
-              <a:t>Logistic Regression</a:t>
+              <a:t> and Logistic Regression</a:t>
             </a:r>
             <a:endParaRPr lang="en-SG" dirty="0"/>
           </a:p>
@@ -13101,15 +13106,7 @@
             </a:r>
             <a:r>
               <a:rPr lang="en-SG" dirty="0" smtClean="0"/>
-              <a:t>and</a:t>
-            </a:r>
-            <a:r>
-              <a:rPr lang="en-SG" dirty="0" smtClean="0"/>
-              <a:t> </a:t>
-            </a:r>
-            <a:r>
-              <a:rPr lang="en-SG" dirty="0" smtClean="0"/>
-              <a:t>Naïve Bayes (</a:t>
+              <a:t>and Naïve Bayes (</a:t>
             </a:r>
             <a:r>
               <a:rPr lang="en-SG" dirty="0" err="1" smtClean="0"/>
@@ -13140,11 +13137,7 @@
           <a:p>
             <a:r>
               <a:rPr lang="en-SG" dirty="0" smtClean="0"/>
-              <a:t>Naïve Bayes </a:t>
-            </a:r>
-            <a:r>
-              <a:rPr lang="en-SG" dirty="0" smtClean="0"/>
-              <a:t>helps simplify the problem when each feature is realistically dependent on each other.</a:t>
+              <a:t>Naïve Bayes helps simplify the problem when each feature is realistically dependent on each other.</a:t>
             </a:r>
           </a:p>
           <a:p>
